--- a/tutorial_agenda.pptx
+++ b/tutorial_agenda.pptx
@@ -112,6 +112,11 @@
       </a:defRPr>
     </a:lvl9pPr>
   </p:defaultTextStyle>
+  <p:extLst>
+    <p:ext uri="{EFAFB233-063F-42B5-8137-9DF3F51BA10A}">
+      <p15:sldGuideLst xmlns:p15="http://schemas.microsoft.com/office/powerpoint/2012/main"/>
+    </p:ext>
+  </p:extLst>
 </p:presentation>
 </file>
 
@@ -262,7 +267,7 @@
           <a:p>
             <a:fld id="{C9135ADD-0F02-4179-AD26-8F8ABE8F6E5A}" type="datetimeFigureOut">
               <a:rPr lang="en-US" smtClean="0"/>
-              <a:t>7/1/2019</a:t>
+              <a:t>7/3/2019</a:t>
             </a:fld>
             <a:endParaRPr lang="en-US"/>
           </a:p>
@@ -460,7 +465,7 @@
           <a:p>
             <a:fld id="{C9135ADD-0F02-4179-AD26-8F8ABE8F6E5A}" type="datetimeFigureOut">
               <a:rPr lang="en-US" smtClean="0"/>
-              <a:t>7/1/2019</a:t>
+              <a:t>7/3/2019</a:t>
             </a:fld>
             <a:endParaRPr lang="en-US"/>
           </a:p>
@@ -668,7 +673,7 @@
           <a:p>
             <a:fld id="{C9135ADD-0F02-4179-AD26-8F8ABE8F6E5A}" type="datetimeFigureOut">
               <a:rPr lang="en-US" smtClean="0"/>
-              <a:t>7/1/2019</a:t>
+              <a:t>7/3/2019</a:t>
             </a:fld>
             <a:endParaRPr lang="en-US"/>
           </a:p>
@@ -866,7 +871,7 @@
           <a:p>
             <a:fld id="{C9135ADD-0F02-4179-AD26-8F8ABE8F6E5A}" type="datetimeFigureOut">
               <a:rPr lang="en-US" smtClean="0"/>
-              <a:t>7/1/2019</a:t>
+              <a:t>7/3/2019</a:t>
             </a:fld>
             <a:endParaRPr lang="en-US"/>
           </a:p>
@@ -1141,7 +1146,7 @@
           <a:p>
             <a:fld id="{C9135ADD-0F02-4179-AD26-8F8ABE8F6E5A}" type="datetimeFigureOut">
               <a:rPr lang="en-US" smtClean="0"/>
-              <a:t>7/1/2019</a:t>
+              <a:t>7/3/2019</a:t>
             </a:fld>
             <a:endParaRPr lang="en-US"/>
           </a:p>
@@ -1406,7 +1411,7 @@
           <a:p>
             <a:fld id="{C9135ADD-0F02-4179-AD26-8F8ABE8F6E5A}" type="datetimeFigureOut">
               <a:rPr lang="en-US" smtClean="0"/>
-              <a:t>7/1/2019</a:t>
+              <a:t>7/3/2019</a:t>
             </a:fld>
             <a:endParaRPr lang="en-US"/>
           </a:p>
@@ -1818,7 +1823,7 @@
           <a:p>
             <a:fld id="{C9135ADD-0F02-4179-AD26-8F8ABE8F6E5A}" type="datetimeFigureOut">
               <a:rPr lang="en-US" smtClean="0"/>
-              <a:t>7/1/2019</a:t>
+              <a:t>7/3/2019</a:t>
             </a:fld>
             <a:endParaRPr lang="en-US"/>
           </a:p>
@@ -1959,7 +1964,7 @@
           <a:p>
             <a:fld id="{C9135ADD-0F02-4179-AD26-8F8ABE8F6E5A}" type="datetimeFigureOut">
               <a:rPr lang="en-US" smtClean="0"/>
-              <a:t>7/1/2019</a:t>
+              <a:t>7/3/2019</a:t>
             </a:fld>
             <a:endParaRPr lang="en-US"/>
           </a:p>
@@ -2072,7 +2077,7 @@
           <a:p>
             <a:fld id="{C9135ADD-0F02-4179-AD26-8F8ABE8F6E5A}" type="datetimeFigureOut">
               <a:rPr lang="en-US" smtClean="0"/>
-              <a:t>7/1/2019</a:t>
+              <a:t>7/3/2019</a:t>
             </a:fld>
             <a:endParaRPr lang="en-US"/>
           </a:p>
@@ -2383,7 +2388,7 @@
           <a:p>
             <a:fld id="{C9135ADD-0F02-4179-AD26-8F8ABE8F6E5A}" type="datetimeFigureOut">
               <a:rPr lang="en-US" smtClean="0"/>
-              <a:t>7/1/2019</a:t>
+              <a:t>7/3/2019</a:t>
             </a:fld>
             <a:endParaRPr lang="en-US"/>
           </a:p>
@@ -2671,7 +2676,7 @@
           <a:p>
             <a:fld id="{C9135ADD-0F02-4179-AD26-8F8ABE8F6E5A}" type="datetimeFigureOut">
               <a:rPr lang="en-US" smtClean="0"/>
-              <a:t>7/1/2019</a:t>
+              <a:t>7/3/2019</a:t>
             </a:fld>
             <a:endParaRPr lang="en-US"/>
           </a:p>
@@ -2912,7 +2917,7 @@
           <a:p>
             <a:fld id="{C9135ADD-0F02-4179-AD26-8F8ABE8F6E5A}" type="datetimeFigureOut">
               <a:rPr lang="en-US" smtClean="0"/>
-              <a:t>7/1/2019</a:t>
+              <a:t>7/3/2019</a:t>
             </a:fld>
             <a:endParaRPr lang="en-US"/>
           </a:p>
@@ -4351,6 +4356,12 @@
           <a:p>
             <a:r>
               <a:rPr lang="en-US" dirty="0"/>
+              <a:t>Security issue: secrets in old commits; checkout --orphan</a:t>
+            </a:r>
+          </a:p>
+          <a:p>
+            <a:r>
+              <a:rPr lang="en-US" dirty="0"/>
               <a:t>Detached HEAD</a:t>
             </a:r>
           </a:p>
@@ -4474,13 +4485,7 @@
           <a:p>
             <a:r>
               <a:rPr lang="en-US" dirty="0"/>
-              <a:t>.git/config</a:t>
-            </a:r>
-          </a:p>
-          <a:p>
-            <a:r>
-              <a:rPr lang="en-US" dirty="0"/>
-              <a:t>.git/refs</a:t>
+              <a:t>.git/config and .git/refs</a:t>
             </a:r>
           </a:p>
           <a:p>
@@ -4494,6 +4499,12 @@
             <a:r>
               <a:rPr lang="en-US" dirty="0"/>
               <a:t>Setting up tracking branches</a:t>
+            </a:r>
+          </a:p>
+          <a:p>
+            <a:r>
+              <a:rPr lang="en-US" dirty="0"/>
+              <a:t>Remotes</a:t>
             </a:r>
           </a:p>
           <a:p>
